--- a/slides/00_course_intro.pptx
+++ b/slides/00_course_intro.pptx
@@ -1086,12 +1086,12 @@
             <a:defRPr cap="all"/>
           </a:pPr>
           <a:r>
-            <a:rPr lang="en-US" sz="1800" b="1" cap="none" dirty="0"/>
+            <a:rPr lang="en-US" sz="1800" b="1" cap="none"/>
             <a:t>Lecture</a:t>
           </a:r>
           <a:r>
-            <a:rPr lang="en-US" sz="1800" cap="none" dirty="0"/>
-            <a:t>: We will discuss algorithms that are appropriate for different tasks and types of environments.</a:t>
+            <a:rPr lang="en-US" sz="1800" cap="none"/>
+            <a:t>: We will discuss algorithms appropriate for different tasks and types of environments.</a:t>
           </a:r>
         </a:p>
       </dgm:t>
@@ -1129,11 +1129,11 @@
             <a:defRPr cap="all"/>
           </a:pPr>
           <a:r>
-            <a:rPr lang="en-US" sz="1800" b="1" cap="none" dirty="0"/>
+            <a:rPr lang="en-US" sz="1800" b="1" cap="none"/>
             <a:t>Projects</a:t>
           </a:r>
           <a:r>
-            <a:rPr lang="en-US" sz="1800" cap="none" dirty="0"/>
+            <a:rPr lang="en-US" sz="1800" cap="none"/>
             <a:t>: You will implement algorithms to solve several tasks and conduct experiments to investigate how well the algorithms work and how they scale with problem size. </a:t>
           </a:r>
         </a:p>
@@ -1255,7 +1255,7 @@
       </dgm:spPr>
       <dgm:extLst>
         <a:ext uri="{E40237B7-FDA0-4F09-8148-C483321AD2D9}">
-          <dgm14:cNvPr xmlns:dgm14="http://schemas.microsoft.com/office/drawing/2010/diagram" id="0" name="" descr="Head with Gears"/>
+          <dgm14:cNvPr xmlns:dgm14="http://schemas.microsoft.com/office/drawing/2010/diagram" id="0" name="" descr="Programmer"/>
         </a:ext>
       </dgm:extLst>
     </dgm:pt>
@@ -1449,12 +1449,12 @@
             <a:defRPr cap="all"/>
           </a:pPr>
           <a:r>
-            <a:rPr lang="en-US" sz="1800" b="1" kern="1200" cap="none" dirty="0"/>
+            <a:rPr lang="en-US" sz="1800" b="1" kern="1200" cap="none"/>
             <a:t>Lecture</a:t>
           </a:r>
           <a:r>
-            <a:rPr lang="en-US" sz="1800" kern="1200" cap="none" dirty="0"/>
-            <a:t>: We will discuss algorithms that are appropriate for different tasks and types of environments.</a:t>
+            <a:rPr lang="en-US" sz="1800" kern="1200" cap="none"/>
+            <a:t>: We will discuss algorithms appropriate for different tasks and types of environments.</a:t>
           </a:r>
         </a:p>
       </dsp:txBody>
@@ -1603,11 +1603,11 @@
             <a:defRPr cap="all"/>
           </a:pPr>
           <a:r>
-            <a:rPr lang="en-US" sz="1800" b="1" kern="1200" cap="none" dirty="0"/>
+            <a:rPr lang="en-US" sz="1800" b="1" kern="1200" cap="none"/>
             <a:t>Projects</a:t>
           </a:r>
           <a:r>
-            <a:rPr lang="en-US" sz="1800" kern="1200" cap="none" dirty="0"/>
+            <a:rPr lang="en-US" sz="1800" kern="1200" cap="none"/>
             <a:t>: You will implement algorithms to solve several tasks and conduct experiments to investigate how well the algorithms work and how they scale with problem size. </a:t>
           </a:r>
         </a:p>
@@ -7289,30 +7289,36 @@
         </p:nvSpPr>
         <p:spPr>
           <a:xfrm>
-            <a:off x="571350" y="2470244"/>
-            <a:ext cx="4000647" cy="3769835"/>
+            <a:off x="571350" y="1981200"/>
+            <a:ext cx="4000647" cy="4258879"/>
           </a:xfrm>
         </p:spPr>
         <p:txBody>
           <a:bodyPr anchor="ctr">
-            <a:normAutofit lnSpcReduction="10000"/>
+            <a:noAutofit/>
           </a:bodyPr>
           <a:lstStyle/>
           <a:p>
+            <a:pPr marL="0" indent="0">
+              <a:buNone/>
+            </a:pPr>
             <a:r>
               <a:rPr lang="en-US" sz="1400" dirty="0"/>
               <a:t>This course will introduce AI from the viewpoint of </a:t>
             </a:r>
             <a:r>
               <a:rPr lang="en-US" sz="1400" b="1" dirty="0"/>
-              <a:t>creating an intelligent agent </a:t>
+              <a:t>creating an autonomous intelligent agent </a:t>
             </a:r>
             <a:r>
               <a:rPr lang="en-US" sz="1400" dirty="0"/>
-              <a:t>that acts rationally in its environment.</a:t>
-            </a:r>
-          </a:p>
-          <a:p>
+              <a:t>that acts rationally in its environment. </a:t>
+            </a:r>
+          </a:p>
+          <a:p>
+            <a:pPr marL="0" indent="0">
+              <a:buNone/>
+            </a:pPr>
             <a:r>
               <a:rPr lang="en-US" sz="1400" dirty="0"/>
               <a:t>For example, a self-driving car is an intelligent agent with the </a:t>
@@ -7323,60 +7329,73 @@
             </a:r>
             <a:r>
               <a:rPr lang="en-US" sz="1400" dirty="0"/>
-              <a:t> to deliver a passenger to a desired destination. The agents that needs to make </a:t>
+              <a:t> of delivering a passenger to a desired destination. The agent needs </a:t>
             </a:r>
             <a:r>
               <a:rPr lang="en-US" sz="1400" b="1" dirty="0"/>
-              <a:t>decisions</a:t>
+              <a:t>to make decisions </a:t>
             </a:r>
             <a:r>
               <a:rPr lang="en-US" sz="1400" dirty="0"/>
-              <a:t> about stopping, turning and changing lanes by </a:t>
+              <a:t>about stopping, turning, and changing lanes by </a:t>
             </a:r>
             <a:r>
               <a:rPr lang="en-US" sz="1400" b="1" dirty="0"/>
-              <a:t>observing</a:t>
+              <a:t>observing its environment</a:t>
             </a:r>
             <a:r>
               <a:rPr lang="en-US" sz="1400" dirty="0"/>
-              <a:t> its environment consisting of roads, other cars, pedestrians and traffic signals. </a:t>
-            </a:r>
-          </a:p>
-          <a:p>
+              <a:t>, which consists of roads, other cars, pedestrians, and traffic signals. </a:t>
+            </a:r>
+          </a:p>
+          <a:p>
+            <a:pPr marL="0" indent="0">
+              <a:buNone/>
+            </a:pPr>
             <a:r>
               <a:rPr lang="en-US" sz="1400" dirty="0"/>
-              <a:t>We will focus on the algorithms used by the agent to make decisions. </a:t>
-            </a:r>
-          </a:p>
-          <a:p>
+              <a:t>We will focus on the algorithms used by the agent to make decisions. We will survey the following important topics:</a:t>
+            </a:r>
+          </a:p>
+          <a:p>
+            <a:pPr lvl="1">
+              <a:lnSpc>
+                <a:spcPct val="110000"/>
+              </a:lnSpc>
+            </a:pPr>
             <a:r>
               <a:rPr lang="en-US" sz="1400" dirty="0"/>
-              <a:t>Important topics include:</a:t>
-            </a:r>
-          </a:p>
-          <a:p>
-            <a:pPr lvl="1"/>
-            <a:r>
-              <a:rPr lang="en-US" sz="1400" dirty="0"/>
-              <a:t>Search for a solution</a:t>
-            </a:r>
-          </a:p>
-          <a:p>
-            <a:pPr lvl="1"/>
+              <a:t>Searching for a solution</a:t>
+            </a:r>
+          </a:p>
+          <a:p>
+            <a:pPr lvl="1">
+              <a:lnSpc>
+                <a:spcPct val="110000"/>
+              </a:lnSpc>
+            </a:pPr>
             <a:r>
               <a:rPr lang="en-US" sz="1400" dirty="0"/>
               <a:t>Using knowledge for decision making</a:t>
             </a:r>
           </a:p>
           <a:p>
-            <a:pPr lvl="1"/>
+            <a:pPr lvl="1">
+              <a:lnSpc>
+                <a:spcPct val="110000"/>
+              </a:lnSpc>
+            </a:pPr>
             <a:r>
               <a:rPr lang="en-US" sz="1400" dirty="0"/>
-              <a:t>Decision making under uncertainty</a:t>
-            </a:r>
-          </a:p>
-          <a:p>
-            <a:pPr lvl="1"/>
+              <a:t>Decision-making under uncertainty</a:t>
+            </a:r>
+          </a:p>
+          <a:p>
+            <a:pPr lvl="1">
+              <a:lnSpc>
+                <a:spcPct val="110000"/>
+              </a:lnSpc>
+            </a:pPr>
             <a:r>
               <a:rPr lang="en-US" sz="1400" dirty="0"/>
               <a:t>Learning from examples</a:t>
@@ -7833,7 +7852,7 @@
             <p:ph idx="1"/>
             <p:extLst>
               <p:ext uri="{D42A27DB-BD31-4B8C-83A1-F6EECF244321}">
-                <p14:modId xmlns:p14="http://schemas.microsoft.com/office/powerpoint/2010/main" val="1007359105"/>
+                <p14:modId xmlns:p14="http://schemas.microsoft.com/office/powerpoint/2010/main" val="205284932"/>
               </p:ext>
             </p:extLst>
           </p:nvPr>
@@ -8291,12 +8310,12 @@
           <a:lstStyle/>
           <a:p>
             <a:r>
-              <a:rPr lang="en-US" sz="3500">
+              <a:rPr lang="en-US" sz="3500" dirty="0">
                 <a:solidFill>
                   <a:srgbClr val="FFFFFF"/>
                 </a:solidFill>
               </a:rPr>
-              <a:t>Learning Outcomes</a:t>
+              <a:t>Course Learning Outcomes</a:t>
             </a:r>
           </a:p>
         </p:txBody>

--- a/slides/00_course_intro.pptx
+++ b/slides/00_course_intro.pptx
@@ -1086,11 +1086,11 @@
             <a:defRPr cap="all"/>
           </a:pPr>
           <a:r>
-            <a:rPr lang="en-US" sz="1800" b="1" cap="none"/>
+            <a:rPr lang="en-US" sz="1800" b="1" cap="none" dirty="0"/>
             <a:t>Lecture</a:t>
           </a:r>
           <a:r>
-            <a:rPr lang="en-US" sz="1800" cap="none"/>
+            <a:rPr lang="en-US" sz="1800" cap="none" dirty="0"/>
             <a:t>: We will discuss algorithms appropriate for different tasks and types of environments.</a:t>
           </a:r>
         </a:p>
@@ -1129,15 +1129,20 @@
             <a:defRPr cap="all"/>
           </a:pPr>
           <a:r>
-            <a:rPr lang="en-US" sz="1800" b="1" cap="none"/>
+            <a:rPr lang="en-US" sz="1800" b="1" cap="none" dirty="0"/>
             <a:t>Projects</a:t>
           </a:r>
           <a:r>
-            <a:rPr lang="en-US" sz="1800" cap="none"/>
+            <a:rPr lang="en-US" sz="1800" cap="none" dirty="0"/>
             <a:t>: You will implement algorithms to solve several tasks and conduct experiments to investigate how well the algorithms work and how they scale with problem size. </a:t>
           </a:r>
         </a:p>
       </dgm:t>
+      <dgm:extLst>
+        <a:ext uri="{E40237B7-FDA0-4F09-8148-C483321AD2D9}">
+          <dgm14:cNvPr xmlns:dgm14="http://schemas.microsoft.com/office/drawing/2010/diagram" id="0" name="" descr="You will implement algorithms to solve several tasks and conduct experiments to investigate how well the algorithms work and how they scale with problem size. "/>
+        </a:ext>
+      </dgm:extLst>
     </dgm:pt>
     <dgm:pt modelId="{B268A2BD-0C9E-4DCF-91BA-E16A455E029C}" type="parTrans" cxnId="{47E824B7-3212-4E68-B17D-01C286CB2575}">
       <dgm:prSet/>
@@ -1449,11 +1454,11 @@
             <a:defRPr cap="all"/>
           </a:pPr>
           <a:r>
-            <a:rPr lang="en-US" sz="1800" b="1" kern="1200" cap="none"/>
+            <a:rPr lang="en-US" sz="1800" b="1" kern="1200" cap="none" dirty="0"/>
             <a:t>Lecture</a:t>
           </a:r>
           <a:r>
-            <a:rPr lang="en-US" sz="1800" kern="1200" cap="none"/>
+            <a:rPr lang="en-US" sz="1800" kern="1200" cap="none" dirty="0"/>
             <a:t>: We will discuss algorithms appropriate for different tasks and types of environments.</a:t>
           </a:r>
         </a:p>
@@ -1603,11 +1608,11 @@
             <a:defRPr cap="all"/>
           </a:pPr>
           <a:r>
-            <a:rPr lang="en-US" sz="1800" b="1" kern="1200" cap="none"/>
+            <a:rPr lang="en-US" sz="1800" b="1" kern="1200" cap="none" dirty="0"/>
             <a:t>Projects</a:t>
           </a:r>
           <a:r>
-            <a:rPr lang="en-US" sz="1800" kern="1200" cap="none"/>
+            <a:rPr lang="en-US" sz="1800" kern="1200" cap="none" dirty="0"/>
             <a:t>: You will implement algorithms to solve several tasks and conduct experiments to investigate how well the algorithms work and how they scale with problem size. </a:t>
           </a:r>
         </a:p>
@@ -6466,10 +6471,13 @@
       </p:sp>
       <p:pic>
         <p:nvPicPr>
-          <p:cNvPr id="3" name="Picture 2" descr="See the source image">
+          <p:cNvPr id="3" name="Picture 2">
             <a:extLst>
               <a:ext uri="{FF2B5EF4-FFF2-40B4-BE49-F238E27FC236}">
                 <a16:creationId xmlns:a16="http://schemas.microsoft.com/office/drawing/2014/main" id="{A671EBC5-8F77-4D05-B52D-24E94DBD9058}"/>
+              </a:ext>
+              <a:ext uri="{C183D7F6-B498-43B3-948B-1728B52AA6E4}">
+                <adec:decorative xmlns:adec="http://schemas.microsoft.com/office/drawing/2017/decorative" val="1"/>
               </a:ext>
             </a:extLst>
           </p:cNvPr>
@@ -6852,10 +6860,13 @@
       </p:sp>
       <p:pic>
         <p:nvPicPr>
-          <p:cNvPr id="10" name="Picture 4" descr="Creative Commons License">
+          <p:cNvPr id="10" name="Picture 4">
             <a:extLst>
               <a:ext uri="{FF2B5EF4-FFF2-40B4-BE49-F238E27FC236}">
                 <a16:creationId xmlns:a16="http://schemas.microsoft.com/office/drawing/2014/main" id="{BC730582-CB30-4505-AAF1-FC128A765FEB}"/>
+              </a:ext>
+              <a:ext uri="{C183D7F6-B498-43B3-948B-1728B52AA6E4}">
+                <adec:decorative xmlns:adec="http://schemas.microsoft.com/office/drawing/2017/decorative" val="1"/>
               </a:ext>
             </a:extLst>
           </p:cNvPr>
@@ -6903,6 +6914,9 @@
             <a:extLst>
               <a:ext uri="{FF2B5EF4-FFF2-40B4-BE49-F238E27FC236}">
                 <a16:creationId xmlns:a16="http://schemas.microsoft.com/office/drawing/2014/main" id="{A10202BD-23F9-4699-B3FD-8AC22A4625BF}"/>
+              </a:ext>
+              <a:ext uri="{C183D7F6-B498-43B3-948B-1728B52AA6E4}">
+                <adec:decorative xmlns:adec="http://schemas.microsoft.com/office/drawing/2017/decorative" val="1"/>
               </a:ext>
             </a:extLst>
           </p:cNvPr>
@@ -7838,7 +7852,7 @@
       </p:sp>
       <p:graphicFrame>
         <p:nvGraphicFramePr>
-          <p:cNvPr id="7" name="Content Placeholder 4">
+          <p:cNvPr id="7" name="Content Placeholder 4" descr="You will implement algorithms to solve several tasks and conduct experiments to investigate how well the algorithms work and how they scale with problem size. ">
             <a:extLst>
               <a:ext uri="{FF2B5EF4-FFF2-40B4-BE49-F238E27FC236}">
                 <a16:creationId xmlns:a16="http://schemas.microsoft.com/office/drawing/2014/main" id="{4B09C3CD-93BB-274D-5084-A99FB06455EF}"/>
@@ -7852,7 +7866,7 @@
             <p:ph idx="1"/>
             <p:extLst>
               <p:ext uri="{D42A27DB-BD31-4B8C-83A1-F6EECF244321}">
-                <p14:modId xmlns:p14="http://schemas.microsoft.com/office/powerpoint/2010/main" val="205284932"/>
+                <p14:modId xmlns:p14="http://schemas.microsoft.com/office/powerpoint/2010/main" val="1116642678"/>
               </p:ext>
             </p:extLst>
           </p:nvPr>

--- a/slides/00_course_intro.pptx
+++ b/slides/00_course_intro.pptx
@@ -5,13 +5,14 @@
     <p:sldMasterId id="2147483723" r:id="rId1"/>
   </p:sldMasterIdLst>
   <p:notesMasterIdLst>
-    <p:notesMasterId r:id="rId6"/>
+    <p:notesMasterId r:id="rId7"/>
   </p:notesMasterIdLst>
   <p:sldIdLst>
     <p:sldId id="746" r:id="rId2"/>
     <p:sldId id="747" r:id="rId3"/>
     <p:sldId id="748" r:id="rId4"/>
-    <p:sldId id="749" r:id="rId5"/>
+    <p:sldId id="750" r:id="rId5"/>
+    <p:sldId id="749" r:id="rId6"/>
   </p:sldIdLst>
   <p:sldSz cx="9144000" cy="6858000" type="screen4x3"/>
   <p:notesSz cx="7315200" cy="9601200"/>
@@ -7907,6 +7908,521 @@
     </p:bg>
     <p:spTree>
       <p:nvGrpSpPr>
+        <p:cNvPr id="1" name="">
+          <a:extLst>
+            <a:ext uri="{FF2B5EF4-FFF2-40B4-BE49-F238E27FC236}">
+              <a16:creationId xmlns:a16="http://schemas.microsoft.com/office/drawing/2014/main" id="{F7A71C4C-2324-AB3D-B679-1F56AE7033E6}"/>
+            </a:ext>
+          </a:extLst>
+        </p:cNvPr>
+        <p:cNvGrpSpPr/>
+        <p:nvPr/>
+      </p:nvGrpSpPr>
+      <p:grpSpPr>
+        <a:xfrm>
+          <a:off x="0" y="0"/>
+          <a:ext cx="0" cy="0"/>
+          <a:chOff x="0" y="0"/>
+          <a:chExt cx="0" cy="0"/>
+        </a:xfrm>
+      </p:grpSpPr>
+      <p:sp useBgFill="1">
+        <p:nvSpPr>
+          <p:cNvPr id="8" name="Rectangle 7">
+            <a:extLst>
+              <a:ext uri="{FF2B5EF4-FFF2-40B4-BE49-F238E27FC236}">
+                <a16:creationId xmlns:a16="http://schemas.microsoft.com/office/drawing/2014/main" id="{1B15ED52-F352-441B-82BF-E0EA34836D08}"/>
+              </a:ext>
+              <a:ext uri="{C183D7F6-B498-43B3-948B-1728B52AA6E4}">
+                <adec:decorative xmlns:adec="http://schemas.microsoft.com/office/drawing/2017/decorative" val="1"/>
+              </a:ext>
+            </a:extLst>
+          </p:cNvPr>
+          <p:cNvSpPr>
+            <a:spLocks noGrp="1" noRot="1" noChangeAspect="1" noMove="1" noResize="1" noEditPoints="1" noAdjustHandles="1" noChangeArrowheads="1" noChangeShapeType="1" noTextEdit="1"/>
+          </p:cNvSpPr>
+          <p:nvPr>
+            <p:extLst>
+              <p:ext uri="{386F3935-93C4-4BCD-93E2-E3B085C9AB24}">
+                <p16:designElem xmlns:p16="http://schemas.microsoft.com/office/powerpoint/2015/main" val="1"/>
+              </p:ext>
+            </p:extLst>
+          </p:nvPr>
+        </p:nvSpPr>
+        <p:spPr>
+          <a:xfrm>
+            <a:off x="0" y="0"/>
+            <a:ext cx="9144000" cy="6858000"/>
+          </a:xfrm>
+          <a:prstGeom prst="rect">
+            <a:avLst/>
+          </a:prstGeom>
+          <a:ln w="12700" cap="flat" cmpd="sng" algn="ctr">
+            <a:noFill/>
+            <a:prstDash val="solid"/>
+            <a:miter lim="800000"/>
+          </a:ln>
+          <a:effectLst/>
+          <a:extLst>
+            <a:ext uri="{91240B29-F687-4F45-9708-019B960494DF}">
+              <a14:hiddenLine xmlns:a14="http://schemas.microsoft.com/office/drawing/2010/main" w="12700" cap="flat" cmpd="sng" algn="ctr">
+                <a:solidFill>
+                  <a:schemeClr val="accent1">
+                    <a:shade val="50000"/>
+                  </a:schemeClr>
+                </a:solidFill>
+                <a:prstDash val="solid"/>
+                <a:miter lim="800000"/>
+              </a14:hiddenLine>
+            </a:ext>
+          </a:extLst>
+        </p:spPr>
+        <p:style>
+          <a:lnRef idx="2">
+            <a:schemeClr val="accent1">
+              <a:shade val="50000"/>
+            </a:schemeClr>
+          </a:lnRef>
+          <a:fillRef idx="1">
+            <a:schemeClr val="accent1"/>
+          </a:fillRef>
+          <a:effectRef idx="0">
+            <a:schemeClr val="accent1"/>
+          </a:effectRef>
+          <a:fontRef idx="minor">
+            <a:schemeClr val="lt1"/>
+          </a:fontRef>
+        </p:style>
+        <p:txBody>
+          <a:bodyPr rtlCol="0" anchor="ctr"/>
+          <a:lstStyle/>
+          <a:p>
+            <a:pPr algn="ctr"/>
+            <a:endParaRPr lang="en-US"/>
+          </a:p>
+        </p:txBody>
+      </p:sp>
+      <p:sp>
+        <p:nvSpPr>
+          <p:cNvPr id="10" name="Rectangle 9">
+            <a:extLst>
+              <a:ext uri="{FF2B5EF4-FFF2-40B4-BE49-F238E27FC236}">
+                <a16:creationId xmlns:a16="http://schemas.microsoft.com/office/drawing/2014/main" id="{3B2E3793-BFE6-45A2-9B7B-E18844431C99}"/>
+              </a:ext>
+              <a:ext uri="{C183D7F6-B498-43B3-948B-1728B52AA6E4}">
+                <adec:decorative xmlns:adec="http://schemas.microsoft.com/office/drawing/2017/decorative" val="1"/>
+              </a:ext>
+            </a:extLst>
+          </p:cNvPr>
+          <p:cNvSpPr>
+            <a:spLocks noGrp="1" noRot="1" noChangeAspect="1" noMove="1" noResize="1" noEditPoints="1" noAdjustHandles="1" noChangeArrowheads="1" noChangeShapeType="1" noTextEdit="1"/>
+          </p:cNvSpPr>
+          <p:nvPr>
+            <p:extLst>
+              <p:ext uri="{386F3935-93C4-4BCD-93E2-E3B085C9AB24}">
+                <p16:designElem xmlns:p16="http://schemas.microsoft.com/office/powerpoint/2015/main" val="1"/>
+              </p:ext>
+            </p:extLst>
+          </p:nvPr>
+        </p:nvSpPr>
+        <p:spPr>
+          <a:xfrm flipH="1">
+            <a:off x="0" y="-1"/>
+            <a:ext cx="9143997" cy="1590742"/>
+          </a:xfrm>
+          <a:prstGeom prst="rect">
+            <a:avLst/>
+          </a:prstGeom>
+          <a:gradFill>
+            <a:gsLst>
+              <a:gs pos="0">
+                <a:srgbClr val="000000"/>
+              </a:gs>
+              <a:gs pos="100000">
+                <a:schemeClr val="accent1">
+                  <a:lumMod val="75000"/>
+                </a:schemeClr>
+              </a:gs>
+            </a:gsLst>
+            <a:lin ang="8400000" scaled="0"/>
+          </a:gradFill>
+          <a:ln>
+            <a:noFill/>
+          </a:ln>
+        </p:spPr>
+        <p:style>
+          <a:lnRef idx="2">
+            <a:schemeClr val="accent1">
+              <a:shade val="50000"/>
+            </a:schemeClr>
+          </a:lnRef>
+          <a:fillRef idx="1">
+            <a:schemeClr val="accent1"/>
+          </a:fillRef>
+          <a:effectRef idx="0">
+            <a:schemeClr val="accent1"/>
+          </a:effectRef>
+          <a:fontRef idx="minor">
+            <a:schemeClr val="lt1"/>
+          </a:fontRef>
+        </p:style>
+        <p:txBody>
+          <a:bodyPr rtlCol="0" anchor="ctr"/>
+          <a:lstStyle/>
+          <a:p>
+            <a:pPr algn="ctr"/>
+            <a:endParaRPr lang="en-US"/>
+          </a:p>
+        </p:txBody>
+      </p:sp>
+      <p:sp>
+        <p:nvSpPr>
+          <p:cNvPr id="12" name="Rectangle 11">
+            <a:extLst>
+              <a:ext uri="{FF2B5EF4-FFF2-40B4-BE49-F238E27FC236}">
+                <a16:creationId xmlns:a16="http://schemas.microsoft.com/office/drawing/2014/main" id="{BC4C4868-CB8F-4AF9-9CDB-8108F2C19B67}"/>
+              </a:ext>
+              <a:ext uri="{C183D7F6-B498-43B3-948B-1728B52AA6E4}">
+                <adec:decorative xmlns:adec="http://schemas.microsoft.com/office/drawing/2017/decorative" val="1"/>
+              </a:ext>
+            </a:extLst>
+          </p:cNvPr>
+          <p:cNvSpPr>
+            <a:spLocks noGrp="1" noRot="1" noChangeAspect="1" noMove="1" noResize="1" noEditPoints="1" noAdjustHandles="1" noChangeArrowheads="1" noChangeShapeType="1" noTextEdit="1"/>
+          </p:cNvSpPr>
+          <p:nvPr>
+            <p:extLst>
+              <p:ext uri="{386F3935-93C4-4BCD-93E2-E3B085C9AB24}">
+                <p16:designElem xmlns:p16="http://schemas.microsoft.com/office/powerpoint/2015/main" val="1"/>
+              </p:ext>
+            </p:extLst>
+          </p:nvPr>
+        </p:nvSpPr>
+        <p:spPr>
+          <a:xfrm rot="10800000" flipH="1">
+            <a:off x="-2" y="0"/>
+            <a:ext cx="6086479" cy="1590742"/>
+          </a:xfrm>
+          <a:prstGeom prst="rect">
+            <a:avLst/>
+          </a:prstGeom>
+          <a:gradFill>
+            <a:gsLst>
+              <a:gs pos="20000">
+                <a:schemeClr val="accent1">
+                  <a:alpha val="0"/>
+                </a:schemeClr>
+              </a:gs>
+              <a:gs pos="100000">
+                <a:schemeClr val="accent1">
+                  <a:lumMod val="50000"/>
+                  <a:alpha val="55000"/>
+                </a:schemeClr>
+              </a:gs>
+            </a:gsLst>
+            <a:lin ang="13800000" scaled="0"/>
+          </a:gradFill>
+          <a:ln>
+            <a:noFill/>
+          </a:ln>
+        </p:spPr>
+        <p:style>
+          <a:lnRef idx="2">
+            <a:schemeClr val="accent1">
+              <a:shade val="50000"/>
+            </a:schemeClr>
+          </a:lnRef>
+          <a:fillRef idx="1">
+            <a:schemeClr val="accent1"/>
+          </a:fillRef>
+          <a:effectRef idx="0">
+            <a:schemeClr val="accent1"/>
+          </a:effectRef>
+          <a:fontRef idx="minor">
+            <a:schemeClr val="lt1"/>
+          </a:fontRef>
+        </p:style>
+        <p:txBody>
+          <a:bodyPr rtlCol="0" anchor="ctr"/>
+          <a:lstStyle/>
+          <a:p>
+            <a:pPr algn="ctr"/>
+            <a:endParaRPr lang="en-US"/>
+          </a:p>
+        </p:txBody>
+      </p:sp>
+      <p:sp>
+        <p:nvSpPr>
+          <p:cNvPr id="14" name="Rectangle 13">
+            <a:extLst>
+              <a:ext uri="{FF2B5EF4-FFF2-40B4-BE49-F238E27FC236}">
+                <a16:creationId xmlns:a16="http://schemas.microsoft.com/office/drawing/2014/main" id="{375E0459-6403-40CD-989D-56A4407CA12E}"/>
+              </a:ext>
+              <a:ext uri="{C183D7F6-B498-43B3-948B-1728B52AA6E4}">
+                <adec:decorative xmlns:adec="http://schemas.microsoft.com/office/drawing/2017/decorative" val="1"/>
+              </a:ext>
+            </a:extLst>
+          </p:cNvPr>
+          <p:cNvSpPr>
+            <a:spLocks noGrp="1" noRot="1" noChangeAspect="1" noMove="1" noResize="1" noEditPoints="1" noAdjustHandles="1" noChangeArrowheads="1" noChangeShapeType="1" noTextEdit="1"/>
+          </p:cNvSpPr>
+          <p:nvPr>
+            <p:extLst>
+              <p:ext uri="{386F3935-93C4-4BCD-93E2-E3B085C9AB24}">
+                <p16:designElem xmlns:p16="http://schemas.microsoft.com/office/powerpoint/2015/main" val="1"/>
+              </p:ext>
+            </p:extLst>
+          </p:nvPr>
+        </p:nvSpPr>
+        <p:spPr>
+          <a:xfrm flipH="1">
+            <a:off x="6086474" y="-1"/>
+            <a:ext cx="3057523" cy="1590742"/>
+          </a:xfrm>
+          <a:prstGeom prst="rect">
+            <a:avLst/>
+          </a:prstGeom>
+          <a:gradFill>
+            <a:gsLst>
+              <a:gs pos="0">
+                <a:schemeClr val="accent1">
+                  <a:alpha val="66000"/>
+                </a:schemeClr>
+              </a:gs>
+              <a:gs pos="100000">
+                <a:srgbClr val="000000">
+                  <a:alpha val="30000"/>
+                </a:srgbClr>
+              </a:gs>
+            </a:gsLst>
+            <a:lin ang="13200000" scaled="0"/>
+          </a:gradFill>
+          <a:ln>
+            <a:noFill/>
+          </a:ln>
+        </p:spPr>
+        <p:style>
+          <a:lnRef idx="2">
+            <a:schemeClr val="accent1">
+              <a:shade val="50000"/>
+            </a:schemeClr>
+          </a:lnRef>
+          <a:fillRef idx="1">
+            <a:schemeClr val="accent1"/>
+          </a:fillRef>
+          <a:effectRef idx="0">
+            <a:schemeClr val="accent1"/>
+          </a:effectRef>
+          <a:fontRef idx="minor">
+            <a:schemeClr val="lt1"/>
+          </a:fontRef>
+        </p:style>
+        <p:txBody>
+          <a:bodyPr rtlCol="0" anchor="ctr"/>
+          <a:lstStyle/>
+          <a:p>
+            <a:pPr algn="ctr"/>
+            <a:endParaRPr lang="en-US"/>
+          </a:p>
+        </p:txBody>
+      </p:sp>
+      <p:sp>
+        <p:nvSpPr>
+          <p:cNvPr id="16" name="Rectangle 15">
+            <a:extLst>
+              <a:ext uri="{FF2B5EF4-FFF2-40B4-BE49-F238E27FC236}">
+                <a16:creationId xmlns:a16="http://schemas.microsoft.com/office/drawing/2014/main" id="{53E5B1A8-3AC9-4BD1-9BBC-78CA94F2D1BA}"/>
+              </a:ext>
+              <a:ext uri="{C183D7F6-B498-43B3-948B-1728B52AA6E4}">
+                <adec:decorative xmlns:adec="http://schemas.microsoft.com/office/drawing/2017/decorative" val="1"/>
+              </a:ext>
+            </a:extLst>
+          </p:cNvPr>
+          <p:cNvSpPr>
+            <a:spLocks noGrp="1" noRot="1" noChangeAspect="1" noMove="1" noResize="1" noEditPoints="1" noAdjustHandles="1" noChangeArrowheads="1" noChangeShapeType="1" noTextEdit="1"/>
+          </p:cNvSpPr>
+          <p:nvPr>
+            <p:extLst>
+              <p:ext uri="{386F3935-93C4-4BCD-93E2-E3B085C9AB24}">
+                <p16:designElem xmlns:p16="http://schemas.microsoft.com/office/powerpoint/2015/main" val="1"/>
+              </p:ext>
+            </p:extLst>
+          </p:nvPr>
+        </p:nvSpPr>
+        <p:spPr>
+          <a:xfrm>
+            <a:off x="344512" y="-1"/>
+            <a:ext cx="8799485" cy="1597433"/>
+          </a:xfrm>
+          <a:prstGeom prst="rect">
+            <a:avLst/>
+          </a:prstGeom>
+          <a:gradFill>
+            <a:gsLst>
+              <a:gs pos="50000">
+                <a:srgbClr val="000000">
+                  <a:alpha val="0"/>
+                </a:srgbClr>
+              </a:gs>
+              <a:gs pos="99000">
+                <a:schemeClr val="accent1">
+                  <a:lumMod val="50000"/>
+                  <a:alpha val="52000"/>
+                </a:schemeClr>
+              </a:gs>
+            </a:gsLst>
+            <a:lin ang="16800000" scaled="0"/>
+          </a:gradFill>
+          <a:ln>
+            <a:noFill/>
+          </a:ln>
+        </p:spPr>
+        <p:style>
+          <a:lnRef idx="2">
+            <a:schemeClr val="accent1">
+              <a:shade val="50000"/>
+            </a:schemeClr>
+          </a:lnRef>
+          <a:fillRef idx="1">
+            <a:schemeClr val="accent1"/>
+          </a:fillRef>
+          <a:effectRef idx="0">
+            <a:schemeClr val="accent1"/>
+          </a:effectRef>
+          <a:fontRef idx="minor">
+            <a:schemeClr val="lt1"/>
+          </a:fontRef>
+        </p:style>
+        <p:txBody>
+          <a:bodyPr rtlCol="0" anchor="ctr"/>
+          <a:lstStyle/>
+          <a:p>
+            <a:pPr algn="ctr"/>
+            <a:endParaRPr lang="en-US"/>
+          </a:p>
+        </p:txBody>
+      </p:sp>
+      <p:sp>
+        <p:nvSpPr>
+          <p:cNvPr id="2" name="Title 1">
+            <a:extLst>
+              <a:ext uri="{FF2B5EF4-FFF2-40B4-BE49-F238E27FC236}">
+                <a16:creationId xmlns:a16="http://schemas.microsoft.com/office/drawing/2014/main" id="{503B741C-4158-6F7F-5C3D-EF416E78A992}"/>
+              </a:ext>
+            </a:extLst>
+          </p:cNvPr>
+          <p:cNvSpPr>
+            <a:spLocks noGrp="1"/>
+          </p:cNvSpPr>
+          <p:nvPr>
+            <p:ph type="title"/>
+          </p:nvPr>
+        </p:nvSpPr>
+        <p:spPr>
+          <a:xfrm>
+            <a:off x="1028699" y="294538"/>
+            <a:ext cx="7421963" cy="1033669"/>
+          </a:xfrm>
+        </p:spPr>
+        <p:txBody>
+          <a:bodyPr>
+            <a:normAutofit/>
+          </a:bodyPr>
+          <a:lstStyle/>
+          <a:p>
+            <a:r>
+              <a:rPr lang="en-US" sz="3500" dirty="0">
+                <a:solidFill>
+                  <a:srgbClr val="FFFFFF"/>
+                </a:solidFill>
+              </a:rPr>
+              <a:t>Course Requirements</a:t>
+            </a:r>
+          </a:p>
+        </p:txBody>
+      </p:sp>
+      <p:sp>
+        <p:nvSpPr>
+          <p:cNvPr id="3" name="Content Placeholder 2">
+            <a:extLst>
+              <a:ext uri="{FF2B5EF4-FFF2-40B4-BE49-F238E27FC236}">
+                <a16:creationId xmlns:a16="http://schemas.microsoft.com/office/drawing/2014/main" id="{BB3C8F96-FE6A-3011-92DF-7C65CE28F189}"/>
+              </a:ext>
+            </a:extLst>
+          </p:cNvPr>
+          <p:cNvSpPr>
+            <a:spLocks noGrp="1"/>
+          </p:cNvSpPr>
+          <p:nvPr>
+            <p:ph idx="1"/>
+          </p:nvPr>
+        </p:nvSpPr>
+        <p:spPr>
+          <a:xfrm>
+            <a:off x="1028699" y="2318197"/>
+            <a:ext cx="7293023" cy="3683358"/>
+          </a:xfrm>
+        </p:spPr>
+        <p:txBody>
+          <a:bodyPr anchor="ctr">
+            <a:normAutofit/>
+          </a:bodyPr>
+          <a:lstStyle/>
+          <a:p>
+            <a:r>
+              <a:rPr lang="en-US" sz="1700" dirty="0"/>
+              <a:t>Course assignments require substantial advanced Python programming.</a:t>
+            </a:r>
+          </a:p>
+          <a:p>
+            <a:r>
+              <a:rPr lang="en-US" sz="1700" dirty="0"/>
+              <a:t>Students need practical knowledge of how to implement data structures and algorithms (Big-O notation, search trees).</a:t>
+            </a:r>
+          </a:p>
+          <a:p>
+            <a:r>
+              <a:rPr lang="en-US" sz="1700" dirty="0"/>
+              <a:t>Students must have a working knowledge of probability theory and combinatorics. </a:t>
+            </a:r>
+          </a:p>
+          <a:p>
+            <a:endParaRPr lang="en-US" sz="1700" dirty="0"/>
+          </a:p>
+          <a:p>
+            <a:r>
+              <a:rPr lang="en-US" sz="1700" dirty="0"/>
+              <a:t>Students are expected to obtain any missing knowledge independently. </a:t>
+            </a:r>
+          </a:p>
+        </p:txBody>
+      </p:sp>
+    </p:spTree>
+    <p:extLst>
+      <p:ext uri="{BB962C8B-B14F-4D97-AF65-F5344CB8AC3E}">
+        <p14:creationId xmlns:p14="http://schemas.microsoft.com/office/powerpoint/2010/main" val="211582762"/>
+      </p:ext>
+    </p:extLst>
+  </p:cSld>
+  <p:clrMapOvr>
+    <a:masterClrMapping/>
+  </p:clrMapOvr>
+</p:sld>
+</file>
+
+<file path=ppt/slides/slide5.xml><?xml version="1.0" encoding="utf-8"?>
+<p:sld xmlns:a="http://schemas.openxmlformats.org/drawingml/2006/main" xmlns:r="http://schemas.openxmlformats.org/officeDocument/2006/relationships" xmlns:p="http://schemas.openxmlformats.org/presentationml/2006/main">
+  <p:cSld>
+    <p:bg>
+      <p:bgPr>
+        <a:solidFill>
+          <a:schemeClr val="bg1"/>
+        </a:solidFill>
+        <a:effectLst/>
+      </p:bgPr>
+    </p:bg>
+    <p:spTree>
+      <p:nvGrpSpPr>
         <p:cNvPr id="1" name=""/>
         <p:cNvGrpSpPr/>
         <p:nvPr/>

--- a/slides/00_course_intro.pptx
+++ b/slides/00_course_intro.pptx
@@ -11,8 +11,8 @@
     <p:sldId id="746" r:id="rId2"/>
     <p:sldId id="747" r:id="rId3"/>
     <p:sldId id="748" r:id="rId4"/>
-    <p:sldId id="750" r:id="rId5"/>
-    <p:sldId id="749" r:id="rId6"/>
+    <p:sldId id="749" r:id="rId5"/>
+    <p:sldId id="750" r:id="rId6"/>
   </p:sldIdLst>
   <p:sldSz cx="9144000" cy="6858000" type="screen4x3"/>
   <p:notesSz cx="7315200" cy="9601200"/>
@@ -1084,15 +1084,18 @@
         <a:lstStyle/>
         <a:p>
           <a:pPr>
+            <a:lnSpc>
+              <a:spcPct val="100000"/>
+            </a:lnSpc>
             <a:defRPr cap="all"/>
           </a:pPr>
           <a:r>
-            <a:rPr lang="en-US" sz="1800" b="1" cap="none" dirty="0"/>
-            <a:t>Lecture</a:t>
+            <a:rPr lang="en-US" sz="1600" b="1" cap="none" dirty="0"/>
+            <a:t>Lecture + Problem Sets</a:t>
           </a:r>
           <a:r>
-            <a:rPr lang="en-US" sz="1800" cap="none" dirty="0"/>
-            <a:t>: We will discuss algorithms appropriate for different tasks and types of environments.</a:t>
+            <a:rPr lang="en-US" sz="1600" cap="none" dirty="0"/>
+            <a:t>: We will discuss algorithms appropriate for different tasks and types of environments. Problem sets will improve the understanding. </a:t>
           </a:r>
         </a:p>
       </dgm:t>
@@ -1127,14 +1130,17 @@
         <a:lstStyle/>
         <a:p>
           <a:pPr>
+            <a:lnSpc>
+              <a:spcPct val="100000"/>
+            </a:lnSpc>
             <a:defRPr cap="all"/>
           </a:pPr>
           <a:r>
-            <a:rPr lang="en-US" sz="1800" b="1" cap="none" dirty="0"/>
+            <a:rPr lang="en-US" sz="1600" b="1" cap="none" dirty="0"/>
             <a:t>Projects</a:t>
           </a:r>
           <a:r>
-            <a:rPr lang="en-US" sz="1800" cap="none" dirty="0"/>
+            <a:rPr lang="en-US" sz="1600" cap="none" dirty="0"/>
             <a:t>: You will implement algorithms to solve several tasks and conduct experiments to investigate how well the algorithms work and how they scale with problem size. </a:t>
           </a:r>
         </a:p>
@@ -1167,6 +1173,58 @@
         </a:p>
       </dgm:t>
     </dgm:pt>
+    <dgm:pt modelId="{343D494A-2D2E-4876-BC06-03FE2CAE800A}">
+      <dgm:prSet custT="1"/>
+      <dgm:spPr/>
+      <dgm:t>
+        <a:bodyPr/>
+        <a:lstStyle/>
+        <a:p>
+          <a:pPr>
+            <a:lnSpc>
+              <a:spcPct val="100000"/>
+            </a:lnSpc>
+            <a:defRPr cap="all"/>
+          </a:pPr>
+          <a:r>
+            <a:rPr lang="en-US" sz="1600" b="1" cap="none" dirty="0"/>
+            <a:t>Exams: </a:t>
+          </a:r>
+          <a:r>
+            <a:rPr lang="en-US" sz="1600" b="0" cap="none" dirty="0"/>
+            <a:t>Checks knowledge of AI concepts and the ability to apply them.</a:t>
+          </a:r>
+          <a:endParaRPr lang="en-US" sz="1600" b="1" cap="none" dirty="0"/>
+        </a:p>
+      </dgm:t>
+      <dgm:extLst>
+        <a:ext uri="{E40237B7-FDA0-4F09-8148-C483321AD2D9}">
+          <dgm14:cNvPr xmlns:dgm14="http://schemas.microsoft.com/office/drawing/2010/diagram" id="0" name="" descr="You will implement algorithms to solve several tasks and conduct experiments to investigate how well the algorithms work and how they scale with problem size. "/>
+        </a:ext>
+      </dgm:extLst>
+    </dgm:pt>
+    <dgm:pt modelId="{477F5A59-B38B-457D-A879-B8D83A751434}" type="parTrans" cxnId="{698395C8-DCEE-4D98-952C-CCFDAF0E21BB}">
+      <dgm:prSet/>
+      <dgm:spPr/>
+      <dgm:t>
+        <a:bodyPr/>
+        <a:lstStyle/>
+        <a:p>
+          <a:endParaRPr lang="en-US"/>
+        </a:p>
+      </dgm:t>
+    </dgm:pt>
+    <dgm:pt modelId="{EA5533A2-E0A4-4FB3-82BC-2C084507BD7D}" type="sibTrans" cxnId="{698395C8-DCEE-4D98-952C-CCFDAF0E21BB}">
+      <dgm:prSet/>
+      <dgm:spPr/>
+      <dgm:t>
+        <a:bodyPr/>
+        <a:lstStyle/>
+        <a:p>
+          <a:endParaRPr lang="en-US"/>
+        </a:p>
+      </dgm:t>
+    </dgm:pt>
     <dgm:pt modelId="{691847A3-79DF-4D9A-862B-527494AC6810}" type="pres">
       <dgm:prSet presAssocID="{67D2D9ED-F008-4B5F-9525-3D2B5EB9B0EC}" presName="root" presStyleCnt="0">
         <dgm:presLayoutVars>
@@ -1181,11 +1239,11 @@
       <dgm:spPr/>
     </dgm:pt>
     <dgm:pt modelId="{08A12263-E4A9-4A00-88E6-3846A16416C1}" type="pres">
-      <dgm:prSet presAssocID="{85556EB6-77CF-499D-BB6E-2C5024EC1F11}" presName="iconBgRect" presStyleLbl="bgShp" presStyleIdx="0" presStyleCnt="2"/>
+      <dgm:prSet presAssocID="{85556EB6-77CF-499D-BB6E-2C5024EC1F11}" presName="iconBgRect" presStyleLbl="bgShp" presStyleIdx="0" presStyleCnt="3"/>
       <dgm:spPr/>
     </dgm:pt>
     <dgm:pt modelId="{86982F10-A107-426F-B3DF-5C8430D602FE}" type="pres">
-      <dgm:prSet presAssocID="{85556EB6-77CF-499D-BB6E-2C5024EC1F11}" presName="iconRect" presStyleLbl="node1" presStyleIdx="0" presStyleCnt="2"/>
+      <dgm:prSet presAssocID="{85556EB6-77CF-499D-BB6E-2C5024EC1F11}" presName="iconRect" presStyleLbl="node1" presStyleIdx="0" presStyleCnt="3"/>
       <dgm:spPr>
         <a:blipFill>
           <a:blip xmlns:r="http://schemas.openxmlformats.org/officeDocument/2006/relationships" r:embed="rId1">
@@ -1217,7 +1275,7 @@
       <dgm:spPr/>
     </dgm:pt>
     <dgm:pt modelId="{75CDBA54-D425-4D8F-91AD-9709476643B9}" type="pres">
-      <dgm:prSet presAssocID="{85556EB6-77CF-499D-BB6E-2C5024EC1F11}" presName="textRect" presStyleLbl="revTx" presStyleIdx="0" presStyleCnt="2">
+      <dgm:prSet presAssocID="{85556EB6-77CF-499D-BB6E-2C5024EC1F11}" presName="textRect" presStyleLbl="revTx" presStyleIdx="0" presStyleCnt="3" custScaleX="180132">
         <dgm:presLayoutVars>
           <dgm:chMax val="1"/>
           <dgm:chPref val="1"/>
@@ -1234,11 +1292,11 @@
       <dgm:spPr/>
     </dgm:pt>
     <dgm:pt modelId="{38F2B982-E76D-43F8-875F-C9F7F87FB6F0}" type="pres">
-      <dgm:prSet presAssocID="{FD37932E-AB41-4F9E-B178-8A6DF0D730CD}" presName="iconBgRect" presStyleLbl="bgShp" presStyleIdx="1" presStyleCnt="2"/>
+      <dgm:prSet presAssocID="{FD37932E-AB41-4F9E-B178-8A6DF0D730CD}" presName="iconBgRect" presStyleLbl="bgShp" presStyleIdx="1" presStyleCnt="3"/>
       <dgm:spPr/>
     </dgm:pt>
     <dgm:pt modelId="{4DA6517A-86C8-4E8B-867A-3B85CA151A02}" type="pres">
-      <dgm:prSet presAssocID="{FD37932E-AB41-4F9E-B178-8A6DF0D730CD}" presName="iconRect" presStyleLbl="node1" presStyleIdx="1" presStyleCnt="2"/>
+      <dgm:prSet presAssocID="{FD37932E-AB41-4F9E-B178-8A6DF0D730CD}" presName="iconRect" presStyleLbl="node1" presStyleIdx="1" presStyleCnt="3"/>
       <dgm:spPr>
         <a:blipFill>
           <a:blip xmlns:r="http://schemas.openxmlformats.org/officeDocument/2006/relationships" r:embed="rId3">
@@ -1270,7 +1328,55 @@
       <dgm:spPr/>
     </dgm:pt>
     <dgm:pt modelId="{D299793F-65DD-49BB-939C-47011274A408}" type="pres">
-      <dgm:prSet presAssocID="{FD37932E-AB41-4F9E-B178-8A6DF0D730CD}" presName="textRect" presStyleLbl="revTx" presStyleIdx="1" presStyleCnt="2" custScaleX="155608">
+      <dgm:prSet presAssocID="{FD37932E-AB41-4F9E-B178-8A6DF0D730CD}" presName="textRect" presStyleLbl="revTx" presStyleIdx="1" presStyleCnt="3" custScaleX="155608">
+        <dgm:presLayoutVars>
+          <dgm:chMax val="1"/>
+          <dgm:chPref val="1"/>
+        </dgm:presLayoutVars>
+      </dgm:prSet>
+      <dgm:spPr/>
+    </dgm:pt>
+    <dgm:pt modelId="{C86814F7-C00B-4719-A8C6-E88FDD196FE4}" type="pres">
+      <dgm:prSet presAssocID="{E5EB9EE9-E9CD-4FDC-9F83-012E5F75DF28}" presName="sibTrans" presStyleCnt="0"/>
+      <dgm:spPr/>
+    </dgm:pt>
+    <dgm:pt modelId="{070C5CC5-EF16-42B0-937B-4090C16771AF}" type="pres">
+      <dgm:prSet presAssocID="{343D494A-2D2E-4876-BC06-03FE2CAE800A}" presName="compNode" presStyleCnt="0"/>
+      <dgm:spPr/>
+    </dgm:pt>
+    <dgm:pt modelId="{0A2E255C-A31C-404C-87A9-40118ABC48AC}" type="pres">
+      <dgm:prSet presAssocID="{343D494A-2D2E-4876-BC06-03FE2CAE800A}" presName="iconBgRect" presStyleLbl="bgShp" presStyleIdx="2" presStyleCnt="3"/>
+      <dgm:spPr/>
+    </dgm:pt>
+    <dgm:pt modelId="{F968AA62-AAE0-4276-99CD-39211C3E5225}" type="pres">
+      <dgm:prSet presAssocID="{343D494A-2D2E-4876-BC06-03FE2CAE800A}" presName="iconRect" presStyleLbl="node1" presStyleIdx="2" presStyleCnt="3"/>
+      <dgm:spPr>
+        <a:blipFill>
+          <a:blip xmlns:r="http://schemas.openxmlformats.org/officeDocument/2006/relationships" r:embed="rId5">
+            <a:extLst>
+              <a:ext uri="{96DAC541-7B7A-43D3-8B79-37D633B846F1}">
+                <asvg:svgBlip xmlns:asvg="http://schemas.microsoft.com/office/drawing/2016/SVG/main" r:embed="rId6"/>
+              </a:ext>
+            </a:extLst>
+          </a:blip>
+          <a:srcRect/>
+          <a:stretch>
+            <a:fillRect/>
+          </a:stretch>
+        </a:blipFill>
+      </dgm:spPr>
+      <dgm:extLst>
+        <a:ext uri="{E40237B7-FDA0-4F09-8148-C483321AD2D9}">
+          <dgm14:cNvPr xmlns:dgm14="http://schemas.microsoft.com/office/drawing/2010/diagram" id="0" name="" descr="Clipboard Mixed with solid fill"/>
+        </a:ext>
+      </dgm:extLst>
+    </dgm:pt>
+    <dgm:pt modelId="{89E99985-C245-492C-BB2C-DD6CA619488C}" type="pres">
+      <dgm:prSet presAssocID="{343D494A-2D2E-4876-BC06-03FE2CAE800A}" presName="spaceRect" presStyleCnt="0"/>
+      <dgm:spPr/>
+    </dgm:pt>
+    <dgm:pt modelId="{3FA3308A-970F-4619-8880-75C0B3013189}" type="pres">
+      <dgm:prSet presAssocID="{343D494A-2D2E-4876-BC06-03FE2CAE800A}" presName="textRect" presStyleLbl="revTx" presStyleIdx="2" presStyleCnt="3">
         <dgm:presLayoutVars>
           <dgm:chMax val="1"/>
           <dgm:chPref val="1"/>
@@ -1282,9 +1388,11 @@
   <dgm:cxnLst>
     <dgm:cxn modelId="{2D3F6008-DDCC-40AC-AE52-C234FBC376D5}" srcId="{67D2D9ED-F008-4B5F-9525-3D2B5EB9B0EC}" destId="{85556EB6-77CF-499D-BB6E-2C5024EC1F11}" srcOrd="0" destOrd="0" parTransId="{A0502F33-FF3E-4CDA-BF79-BFD6A8042CB4}" sibTransId="{F3A3D373-011E-46F0-BFFD-E173B7E1F018}"/>
     <dgm:cxn modelId="{6DB08242-3BE2-4477-9F6B-13CA0CCB8688}" type="presOf" srcId="{85556EB6-77CF-499D-BB6E-2C5024EC1F11}" destId="{75CDBA54-D425-4D8F-91AD-9709476643B9}" srcOrd="0" destOrd="0" presId="urn:microsoft.com/office/officeart/2018/5/layout/IconCircleLabelList"/>
+    <dgm:cxn modelId="{5279A052-2419-477D-8F9E-9BB1CFC24018}" type="presOf" srcId="{343D494A-2D2E-4876-BC06-03FE2CAE800A}" destId="{3FA3308A-970F-4619-8880-75C0B3013189}" srcOrd="0" destOrd="0" presId="urn:microsoft.com/office/officeart/2018/5/layout/IconCircleLabelList"/>
     <dgm:cxn modelId="{47E824B7-3212-4E68-B17D-01C286CB2575}" srcId="{67D2D9ED-F008-4B5F-9525-3D2B5EB9B0EC}" destId="{FD37932E-AB41-4F9E-B178-8A6DF0D730CD}" srcOrd="1" destOrd="0" parTransId="{B268A2BD-0C9E-4DCF-91BA-E16A455E029C}" sibTransId="{E5EB9EE9-E9CD-4FDC-9F83-012E5F75DF28}"/>
     <dgm:cxn modelId="{C5BBC8B9-D165-4CAD-B91D-9084CC61E1A0}" type="presOf" srcId="{67D2D9ED-F008-4B5F-9525-3D2B5EB9B0EC}" destId="{691847A3-79DF-4D9A-862B-527494AC6810}" srcOrd="0" destOrd="0" presId="urn:microsoft.com/office/officeart/2018/5/layout/IconCircleLabelList"/>
     <dgm:cxn modelId="{DC9067BD-BB72-4D12-86ED-168745D75E51}" type="presOf" srcId="{FD37932E-AB41-4F9E-B178-8A6DF0D730CD}" destId="{D299793F-65DD-49BB-939C-47011274A408}" srcOrd="0" destOrd="0" presId="urn:microsoft.com/office/officeart/2018/5/layout/IconCircleLabelList"/>
+    <dgm:cxn modelId="{698395C8-DCEE-4D98-952C-CCFDAF0E21BB}" srcId="{67D2D9ED-F008-4B5F-9525-3D2B5EB9B0EC}" destId="{343D494A-2D2E-4876-BC06-03FE2CAE800A}" srcOrd="2" destOrd="0" parTransId="{477F5A59-B38B-457D-A879-B8D83A751434}" sibTransId="{EA5533A2-E0A4-4FB3-82BC-2C084507BD7D}"/>
     <dgm:cxn modelId="{CDDD1C15-C97D-4D9C-83CF-C609B3B839CD}" type="presParOf" srcId="{691847A3-79DF-4D9A-862B-527494AC6810}" destId="{57AEA7ED-7400-46FB-B788-DC93A6CEA299}" srcOrd="0" destOrd="0" presId="urn:microsoft.com/office/officeart/2018/5/layout/IconCircleLabelList"/>
     <dgm:cxn modelId="{E29AD60C-6AD7-42FB-854D-857090BE4F4D}" type="presParOf" srcId="{57AEA7ED-7400-46FB-B788-DC93A6CEA299}" destId="{08A12263-E4A9-4A00-88E6-3846A16416C1}" srcOrd="0" destOrd="0" presId="urn:microsoft.com/office/officeart/2018/5/layout/IconCircleLabelList"/>
     <dgm:cxn modelId="{E784C42F-9C15-4137-8499-407E43DB10E5}" type="presParOf" srcId="{57AEA7ED-7400-46FB-B788-DC93A6CEA299}" destId="{86982F10-A107-426F-B3DF-5C8430D602FE}" srcOrd="1" destOrd="0" presId="urn:microsoft.com/office/officeart/2018/5/layout/IconCircleLabelList"/>
@@ -1296,6 +1404,12 @@
     <dgm:cxn modelId="{5B887014-5565-4FB2-BAFA-03F47B1B293B}" type="presParOf" srcId="{6C28C8B4-E0AA-4AA0-989D-A8BA14913931}" destId="{4DA6517A-86C8-4E8B-867A-3B85CA151A02}" srcOrd="1" destOrd="0" presId="urn:microsoft.com/office/officeart/2018/5/layout/IconCircleLabelList"/>
     <dgm:cxn modelId="{54472C35-071B-4D03-B206-797914BEAC93}" type="presParOf" srcId="{6C28C8B4-E0AA-4AA0-989D-A8BA14913931}" destId="{3A6481FB-2447-4EBA-8327-1D3DCA8AF792}" srcOrd="2" destOrd="0" presId="urn:microsoft.com/office/officeart/2018/5/layout/IconCircleLabelList"/>
     <dgm:cxn modelId="{B669344F-C799-4CE4-AFE6-A42E7294783C}" type="presParOf" srcId="{6C28C8B4-E0AA-4AA0-989D-A8BA14913931}" destId="{D299793F-65DD-49BB-939C-47011274A408}" srcOrd="3" destOrd="0" presId="urn:microsoft.com/office/officeart/2018/5/layout/IconCircleLabelList"/>
+    <dgm:cxn modelId="{B6F08270-C0D8-4CE1-B7EE-41800D3BB82E}" type="presParOf" srcId="{691847A3-79DF-4D9A-862B-527494AC6810}" destId="{C86814F7-C00B-4719-A8C6-E88FDD196FE4}" srcOrd="3" destOrd="0" presId="urn:microsoft.com/office/officeart/2018/5/layout/IconCircleLabelList"/>
+    <dgm:cxn modelId="{1941B0D9-5FEC-4F5D-81E6-D6CE125C44A5}" type="presParOf" srcId="{691847A3-79DF-4D9A-862B-527494AC6810}" destId="{070C5CC5-EF16-42B0-937B-4090C16771AF}" srcOrd="4" destOrd="0" presId="urn:microsoft.com/office/officeart/2018/5/layout/IconCircleLabelList"/>
+    <dgm:cxn modelId="{619AEDDB-5090-493A-AA4C-F125E029C333}" type="presParOf" srcId="{070C5CC5-EF16-42B0-937B-4090C16771AF}" destId="{0A2E255C-A31C-404C-87A9-40118ABC48AC}" srcOrd="0" destOrd="0" presId="urn:microsoft.com/office/officeart/2018/5/layout/IconCircleLabelList"/>
+    <dgm:cxn modelId="{72403486-0129-4BC4-A05A-0E65667C33EC}" type="presParOf" srcId="{070C5CC5-EF16-42B0-937B-4090C16771AF}" destId="{F968AA62-AAE0-4276-99CD-39211C3E5225}" srcOrd="1" destOrd="0" presId="urn:microsoft.com/office/officeart/2018/5/layout/IconCircleLabelList"/>
+    <dgm:cxn modelId="{71F521FA-AEF9-458C-9A0A-94A63CD24B3F}" type="presParOf" srcId="{070C5CC5-EF16-42B0-937B-4090C16771AF}" destId="{89E99985-C245-492C-BB2C-DD6CA619488C}" srcOrd="2" destOrd="0" presId="urn:microsoft.com/office/officeart/2018/5/layout/IconCircleLabelList"/>
+    <dgm:cxn modelId="{0419BCA8-FD45-4529-9F12-0EBE8A2A546F}" type="presParOf" srcId="{070C5CC5-EF16-42B0-937B-4090C16771AF}" destId="{3FA3308A-970F-4619-8880-75C0B3013189}" srcOrd="3" destOrd="0" presId="urn:microsoft.com/office/officeart/2018/5/layout/IconCircleLabelList"/>
   </dgm:cxnLst>
   <dgm:bg/>
   <dgm:whole/>
@@ -1322,8 +1436,8 @@
       </dsp:nvSpPr>
       <dsp:spPr>
         <a:xfrm>
-          <a:off x="608263" y="466097"/>
-          <a:ext cx="1818562" cy="1818562"/>
+          <a:off x="1038533" y="731497"/>
+          <a:ext cx="1061542" cy="1061542"/>
         </a:xfrm>
         <a:prstGeom prst="ellipse">
           <a:avLst/>
@@ -1361,8 +1475,8 @@
       </dsp:nvSpPr>
       <dsp:spPr>
         <a:xfrm>
-          <a:off x="995825" y="853659"/>
-          <a:ext cx="1043437" cy="1043437"/>
+          <a:off x="1264764" y="957728"/>
+          <a:ext cx="609082" cy="609082"/>
         </a:xfrm>
         <a:prstGeom prst="rect">
           <a:avLst/>
@@ -1411,8 +1525,8 @@
       </dsp:nvSpPr>
       <dsp:spPr>
         <a:xfrm>
-          <a:off x="26919" y="2851097"/>
-          <a:ext cx="2981250" cy="875610"/>
+          <a:off x="1945" y="2123685"/>
+          <a:ext cx="3134718" cy="823437"/>
         </a:xfrm>
         <a:prstGeom prst="rect">
           <a:avLst/>
@@ -1441,9 +1555,9 @@
         </a:bodyPr>
         <a:lstStyle/>
         <a:p>
-          <a:pPr marL="0" lvl="0" indent="0" algn="ctr" defTabSz="800100">
+          <a:pPr marL="0" lvl="0" indent="0" algn="ctr" defTabSz="711200">
             <a:lnSpc>
-              <a:spcPct val="90000"/>
+              <a:spcPct val="100000"/>
             </a:lnSpc>
             <a:spcBef>
               <a:spcPct val="0"/>
@@ -1455,18 +1569,18 @@
             <a:defRPr cap="all"/>
           </a:pPr>
           <a:r>
-            <a:rPr lang="en-US" sz="1800" b="1" kern="1200" cap="none" dirty="0"/>
-            <a:t>Lecture</a:t>
+            <a:rPr lang="en-US" sz="1600" b="1" kern="1200" cap="none" dirty="0"/>
+            <a:t>Lecture + Problem Sets</a:t>
           </a:r>
           <a:r>
-            <a:rPr lang="en-US" sz="1800" kern="1200" cap="none" dirty="0"/>
-            <a:t>: We will discuss algorithms appropriate for different tasks and types of environments.</a:t>
+            <a:rPr lang="en-US" sz="1600" kern="1200" cap="none" dirty="0"/>
+            <a:t>: We will discuss algorithms appropriate for different tasks and types of environments. Problem sets will improve the understanding. </a:t>
           </a:r>
         </a:p>
       </dsp:txBody>
       <dsp:txXfrm>
-        <a:off x="26919" y="2851097"/>
-        <a:ext cx="2981250" cy="875610"/>
+        <a:off x="1945" y="2123685"/>
+        <a:ext cx="3134718" cy="823437"/>
       </dsp:txXfrm>
     </dsp:sp>
     <dsp:sp modelId="{38F2B982-E76D-43F8-875F-C9F7F87FB6F0}">
@@ -1476,8 +1590,8 @@
       </dsp:nvSpPr>
       <dsp:spPr>
         <a:xfrm>
-          <a:off x="4940138" y="466097"/>
-          <a:ext cx="1818562" cy="1818562"/>
+          <a:off x="4264406" y="731497"/>
+          <a:ext cx="1061542" cy="1061542"/>
         </a:xfrm>
         <a:prstGeom prst="ellipse">
           <a:avLst/>
@@ -1515,8 +1629,8 @@
       </dsp:nvSpPr>
       <dsp:spPr>
         <a:xfrm>
-          <a:off x="5327701" y="853659"/>
-          <a:ext cx="1043437" cy="1043437"/>
+          <a:off x="4490636" y="957728"/>
+          <a:ext cx="609082" cy="609082"/>
         </a:xfrm>
         <a:prstGeom prst="rect">
           <a:avLst/>
@@ -1565,8 +1679,8 @@
       </dsp:nvSpPr>
       <dsp:spPr>
         <a:xfrm>
-          <a:off x="3529888" y="2851097"/>
-          <a:ext cx="4639063" cy="875610"/>
+          <a:off x="3441205" y="2123685"/>
+          <a:ext cx="2707943" cy="823437"/>
         </a:xfrm>
         <a:prstGeom prst="rect">
           <a:avLst/>
@@ -1595,9 +1709,9 @@
         </a:bodyPr>
         <a:lstStyle/>
         <a:p>
-          <a:pPr marL="0" lvl="0" indent="0" algn="ctr" defTabSz="800100">
+          <a:pPr marL="0" lvl="0" indent="0" algn="ctr" defTabSz="711200">
             <a:lnSpc>
-              <a:spcPct val="90000"/>
+              <a:spcPct val="100000"/>
             </a:lnSpc>
             <a:spcBef>
               <a:spcPct val="0"/>
@@ -1609,18 +1723,179 @@
             <a:defRPr cap="all"/>
           </a:pPr>
           <a:r>
-            <a:rPr lang="en-US" sz="1800" b="1" kern="1200" cap="none" dirty="0"/>
+            <a:rPr lang="en-US" sz="1600" b="1" kern="1200" cap="none" dirty="0"/>
             <a:t>Projects</a:t>
           </a:r>
           <a:r>
-            <a:rPr lang="en-US" sz="1800" kern="1200" cap="none" dirty="0"/>
+            <a:rPr lang="en-US" sz="1600" kern="1200" cap="none" dirty="0"/>
             <a:t>: You will implement algorithms to solve several tasks and conduct experiments to investigate how well the algorithms work and how they scale with problem size. </a:t>
           </a:r>
         </a:p>
       </dsp:txBody>
       <dsp:txXfrm>
-        <a:off x="3529888" y="2851097"/>
-        <a:ext cx="4639063" cy="875610"/>
+        <a:off x="3441205" y="2123685"/>
+        <a:ext cx="2707943" cy="823437"/>
+      </dsp:txXfrm>
+    </dsp:sp>
+    <dsp:sp modelId="{0A2E255C-A31C-404C-87A9-40118ABC48AC}">
+      <dsp:nvSpPr>
+        <dsp:cNvPr id="0" name=""/>
+        <dsp:cNvSpPr/>
+      </dsp:nvSpPr>
+      <dsp:spPr>
+        <a:xfrm>
+          <a:off x="6793036" y="731497"/>
+          <a:ext cx="1061542" cy="1061542"/>
+        </a:xfrm>
+        <a:prstGeom prst="ellipse">
+          <a:avLst/>
+        </a:prstGeom>
+        <a:solidFill>
+          <a:schemeClr val="accent4">
+            <a:hueOff val="0"/>
+            <a:satOff val="0"/>
+            <a:lumOff val="0"/>
+            <a:alphaOff val="0"/>
+          </a:schemeClr>
+        </a:solidFill>
+        <a:ln>
+          <a:noFill/>
+        </a:ln>
+        <a:effectLst/>
+      </dsp:spPr>
+      <dsp:style>
+        <a:lnRef idx="0">
+          <a:scrgbClr r="0" g="0" b="0"/>
+        </a:lnRef>
+        <a:fillRef idx="1">
+          <a:scrgbClr r="0" g="0" b="0"/>
+        </a:fillRef>
+        <a:effectRef idx="0">
+          <a:scrgbClr r="0" g="0" b="0"/>
+        </a:effectRef>
+        <a:fontRef idx="minor"/>
+      </dsp:style>
+    </dsp:sp>
+    <dsp:sp modelId="{F968AA62-AAE0-4276-99CD-39211C3E5225}">
+      <dsp:nvSpPr>
+        <dsp:cNvPr id="0" name=""/>
+        <dsp:cNvSpPr/>
+      </dsp:nvSpPr>
+      <dsp:spPr>
+        <a:xfrm>
+          <a:off x="7019266" y="957728"/>
+          <a:ext cx="609082" cy="609082"/>
+        </a:xfrm>
+        <a:prstGeom prst="rect">
+          <a:avLst/>
+        </a:prstGeom>
+        <a:blipFill>
+          <a:blip xmlns:r="http://schemas.openxmlformats.org/officeDocument/2006/relationships" r:embed="rId5">
+            <a:extLst>
+              <a:ext uri="{96DAC541-7B7A-43D3-8B79-37D633B846F1}">
+                <asvg:svgBlip xmlns:asvg="http://schemas.microsoft.com/office/drawing/2016/SVG/main" r:embed="rId6"/>
+              </a:ext>
+            </a:extLst>
+          </a:blip>
+          <a:srcRect/>
+          <a:stretch>
+            <a:fillRect/>
+          </a:stretch>
+        </a:blipFill>
+        <a:ln w="12700" cap="flat" cmpd="sng" algn="ctr">
+          <a:solidFill>
+            <a:schemeClr val="lt1">
+              <a:alpha val="0"/>
+              <a:hueOff val="0"/>
+              <a:satOff val="0"/>
+              <a:lumOff val="0"/>
+              <a:alphaOff val="0"/>
+            </a:schemeClr>
+          </a:solidFill>
+          <a:prstDash val="solid"/>
+          <a:miter lim="800000"/>
+        </a:ln>
+        <a:effectLst/>
+      </dsp:spPr>
+      <dsp:style>
+        <a:lnRef idx="2">
+          <a:scrgbClr r="0" g="0" b="0"/>
+        </a:lnRef>
+        <a:fillRef idx="1">
+          <a:scrgbClr r="0" g="0" b="0"/>
+        </a:fillRef>
+        <a:effectRef idx="0">
+          <a:scrgbClr r="0" g="0" b="0"/>
+        </a:effectRef>
+        <a:fontRef idx="minor">
+          <a:schemeClr val="lt1"/>
+        </a:fontRef>
+      </dsp:style>
+    </dsp:sp>
+    <dsp:sp modelId="{3FA3308A-970F-4619-8880-75C0B3013189}">
+      <dsp:nvSpPr>
+        <dsp:cNvPr id="0" name=""/>
+        <dsp:cNvSpPr/>
+      </dsp:nvSpPr>
+      <dsp:spPr>
+        <a:xfrm>
+          <a:off x="6453690" y="2123685"/>
+          <a:ext cx="1740234" cy="823437"/>
+        </a:xfrm>
+        <a:prstGeom prst="rect">
+          <a:avLst/>
+        </a:prstGeom>
+        <a:noFill/>
+        <a:ln>
+          <a:noFill/>
+        </a:ln>
+        <a:effectLst/>
+      </dsp:spPr>
+      <dsp:style>
+        <a:lnRef idx="0">
+          <a:scrgbClr r="0" g="0" b="0"/>
+        </a:lnRef>
+        <a:fillRef idx="0">
+          <a:scrgbClr r="0" g="0" b="0"/>
+        </a:fillRef>
+        <a:effectRef idx="0">
+          <a:scrgbClr r="0" g="0" b="0"/>
+        </a:effectRef>
+        <a:fontRef idx="minor"/>
+      </dsp:style>
+      <dsp:txBody>
+        <a:bodyPr spcFirstLastPara="0" vert="horz" wrap="square" lIns="0" tIns="0" rIns="0" bIns="0" numCol="1" spcCol="1270" anchor="t" anchorCtr="0">
+          <a:noAutofit/>
+        </a:bodyPr>
+        <a:lstStyle/>
+        <a:p>
+          <a:pPr marL="0" lvl="0" indent="0" algn="ctr" defTabSz="711200">
+            <a:lnSpc>
+              <a:spcPct val="100000"/>
+            </a:lnSpc>
+            <a:spcBef>
+              <a:spcPct val="0"/>
+            </a:spcBef>
+            <a:spcAft>
+              <a:spcPct val="35000"/>
+            </a:spcAft>
+            <a:buNone/>
+            <a:defRPr cap="all"/>
+          </a:pPr>
+          <a:r>
+            <a:rPr lang="en-US" sz="1600" b="1" kern="1200" cap="none" dirty="0"/>
+            <a:t>Exams: </a:t>
+          </a:r>
+          <a:r>
+            <a:rPr lang="en-US" sz="1600" b="0" kern="1200" cap="none" dirty="0"/>
+            <a:t>Checks knowledge of AI concepts and the ability to apply them.</a:t>
+          </a:r>
+          <a:endParaRPr lang="en-US" sz="1600" b="1" kern="1200" cap="none" dirty="0"/>
+        </a:p>
+      </dsp:txBody>
+      <dsp:txXfrm>
+        <a:off x="6453690" y="2123685"/>
+        <a:ext cx="1740234" cy="823437"/>
       </dsp:txXfrm>
     </dsp:sp>
   </dsp:spTree>
@@ -7867,14 +8142,14 @@
             <p:ph idx="1"/>
             <p:extLst>
               <p:ext uri="{D42A27DB-BD31-4B8C-83A1-F6EECF244321}">
-                <p14:modId xmlns:p14="http://schemas.microsoft.com/office/powerpoint/2010/main" val="1116642678"/>
+                <p14:modId xmlns:p14="http://schemas.microsoft.com/office/powerpoint/2010/main" val="1200342713"/>
               </p:ext>
             </p:extLst>
           </p:nvPr>
         </p:nvGraphicFramePr>
         <p:xfrm>
           <a:off x="483042" y="2112579"/>
-          <a:ext cx="8195871" cy="4192805"/>
+          <a:ext cx="8195871" cy="3678621"/>
         </p:xfrm>
         <a:graphic>
           <a:graphicData uri="http://schemas.openxmlformats.org/drawingml/2006/diagram">
@@ -7882,6 +8157,41 @@
           </a:graphicData>
         </a:graphic>
       </p:graphicFrame>
+      <p:sp>
+        <p:nvSpPr>
+          <p:cNvPr id="2" name="TextBox 1">
+            <a:extLst>
+              <a:ext uri="{FF2B5EF4-FFF2-40B4-BE49-F238E27FC236}">
+                <a16:creationId xmlns:a16="http://schemas.microsoft.com/office/drawing/2014/main" id="{6828952A-426A-0259-E969-21AB174FD8AD}"/>
+              </a:ext>
+            </a:extLst>
+          </p:cNvPr>
+          <p:cNvSpPr txBox="1"/>
+          <p:nvPr/>
+        </p:nvSpPr>
+        <p:spPr>
+          <a:xfrm>
+            <a:off x="457200" y="6096000"/>
+            <a:ext cx="8229600" cy="369332"/>
+          </a:xfrm>
+          <a:prstGeom prst="rect">
+            <a:avLst/>
+          </a:prstGeom>
+          <a:noFill/>
+        </p:spPr>
+        <p:txBody>
+          <a:bodyPr wrap="square" rtlCol="0">
+            <a:spAutoFit/>
+          </a:bodyPr>
+          <a:lstStyle/>
+          <a:p>
+            <a:r>
+              <a:rPr lang="en-US" dirty="0"/>
+              <a:t>Evaluation is based on problem sets, projects, and exams.</a:t>
+            </a:r>
+          </a:p>
+        </p:txBody>
+      </p:sp>
     </p:spTree>
     <p:extLst>
       <p:ext uri="{BB962C8B-B14F-4D97-AF65-F5344CB8AC3E}">
@@ -7908,13 +8218,7 @@
     </p:bg>
     <p:spTree>
       <p:nvGrpSpPr>
-        <p:cNvPr id="1" name="">
-          <a:extLst>
-            <a:ext uri="{FF2B5EF4-FFF2-40B4-BE49-F238E27FC236}">
-              <a16:creationId xmlns:a16="http://schemas.microsoft.com/office/drawing/2014/main" id="{F7A71C4C-2324-AB3D-B679-1F56AE7033E6}"/>
-            </a:ext>
-          </a:extLst>
-        </p:cNvPr>
+        <p:cNvPr id="1" name=""/>
         <p:cNvGrpSpPr/>
         <p:nvPr/>
       </p:nvGrpSpPr>
@@ -8307,7 +8611,7 @@
           <p:cNvPr id="2" name="Title 1">
             <a:extLst>
               <a:ext uri="{FF2B5EF4-FFF2-40B4-BE49-F238E27FC236}">
-                <a16:creationId xmlns:a16="http://schemas.microsoft.com/office/drawing/2014/main" id="{503B741C-4158-6F7F-5C3D-EF416E78A992}"/>
+                <a16:creationId xmlns:a16="http://schemas.microsoft.com/office/drawing/2014/main" id="{660C5A96-4B7A-E8F3-E069-EDD488A5949B}"/>
               </a:ext>
             </a:extLst>
           </p:cNvPr>
@@ -8336,7 +8640,7 @@
                   <a:srgbClr val="FFFFFF"/>
                 </a:solidFill>
               </a:rPr>
-              <a:t>Course Requirements</a:t>
+              <a:t>Course Learning Outcomes</a:t>
             </a:r>
           </a:p>
         </p:txBody>
@@ -8346,7 +8650,7 @@
           <p:cNvPr id="3" name="Content Placeholder 2">
             <a:extLst>
               <a:ext uri="{FF2B5EF4-FFF2-40B4-BE49-F238E27FC236}">
-                <a16:creationId xmlns:a16="http://schemas.microsoft.com/office/drawing/2014/main" id="{BB3C8F96-FE6A-3011-92DF-7C65CE28F189}"/>
+                <a16:creationId xmlns:a16="http://schemas.microsoft.com/office/drawing/2014/main" id="{FBC2CDE2-EAC3-D86D-779E-D8D74B4B756F}"/>
               </a:ext>
             </a:extLst>
           </p:cNvPr>
@@ -8371,28 +8675,43 @@
           <a:p>
             <a:r>
               <a:rPr lang="en-US" sz="1700" dirty="0"/>
-              <a:t>Course assignments require substantial advanced Python programming.</a:t>
+              <a:t>CLO 1: Define what artificial intelligence (AI) is and explain how it is used.</a:t>
             </a:r>
           </a:p>
           <a:p>
             <a:r>
               <a:rPr lang="en-US" sz="1700" dirty="0"/>
-              <a:t>Students need practical knowledge of how to implement data structures and algorithms (Big-O notation, search trees).</a:t>
+              <a:t>CLO 2: Identify ethical and security issues with artificial intelligence applications.</a:t>
             </a:r>
           </a:p>
           <a:p>
             <a:r>
               <a:rPr lang="en-US" sz="1700" dirty="0"/>
-              <a:t>Students must have a working knowledge of probability theory and combinatorics. </a:t>
-            </a:r>
-          </a:p>
-          <a:p>
-            <a:endParaRPr lang="en-US" sz="1700" dirty="0"/>
+              <a:t>CLO 3: Define intelligent agents and explain how they interact with their environment.</a:t>
+            </a:r>
           </a:p>
           <a:p>
             <a:r>
               <a:rPr lang="en-US" sz="1700" dirty="0"/>
-              <a:t>Students are expected to obtain any missing knowledge independently. </a:t>
+              <a:t>CLO 4: Apply search to create agents that can perform simple tasks.</a:t>
+            </a:r>
+          </a:p>
+          <a:p>
+            <a:r>
+              <a:rPr lang="en-US" sz="1700" dirty="0"/>
+              <a:t>CLO 5: Explain how knowledge-based agents make decisions.</a:t>
+            </a:r>
+          </a:p>
+          <a:p>
+            <a:r>
+              <a:rPr lang="en-US" sz="1700" dirty="0"/>
+              <a:t>CLO 6: Explain how probabilistic reasoning is used by agents to make decisions under uncertainty.</a:t>
+            </a:r>
+          </a:p>
+          <a:p>
+            <a:r>
+              <a:rPr lang="en-US" sz="1700" dirty="0"/>
+              <a:t>CLO 7: Apply machine learning to different components of an intelligent agent.</a:t>
             </a:r>
           </a:p>
         </p:txBody>
@@ -8400,7 +8719,7 @@
     </p:spTree>
     <p:extLst>
       <p:ext uri="{BB962C8B-B14F-4D97-AF65-F5344CB8AC3E}">
-        <p14:creationId xmlns:p14="http://schemas.microsoft.com/office/powerpoint/2010/main" val="211582762"/>
+        <p14:creationId xmlns:p14="http://schemas.microsoft.com/office/powerpoint/2010/main" val="105614613"/>
       </p:ext>
     </p:extLst>
   </p:cSld>
@@ -8423,7 +8742,13 @@
     </p:bg>
     <p:spTree>
       <p:nvGrpSpPr>
-        <p:cNvPr id="1" name=""/>
+        <p:cNvPr id="1" name="">
+          <a:extLst>
+            <a:ext uri="{FF2B5EF4-FFF2-40B4-BE49-F238E27FC236}">
+              <a16:creationId xmlns:a16="http://schemas.microsoft.com/office/drawing/2014/main" id="{F7A71C4C-2324-AB3D-B679-1F56AE7033E6}"/>
+            </a:ext>
+          </a:extLst>
+        </p:cNvPr>
         <p:cNvGrpSpPr/>
         <p:nvPr/>
       </p:nvGrpSpPr>
@@ -8816,7 +9141,7 @@
           <p:cNvPr id="2" name="Title 1">
             <a:extLst>
               <a:ext uri="{FF2B5EF4-FFF2-40B4-BE49-F238E27FC236}">
-                <a16:creationId xmlns:a16="http://schemas.microsoft.com/office/drawing/2014/main" id="{660C5A96-4B7A-E8F3-E069-EDD488A5949B}"/>
+                <a16:creationId xmlns:a16="http://schemas.microsoft.com/office/drawing/2014/main" id="{503B741C-4158-6F7F-5C3D-EF416E78A992}"/>
               </a:ext>
             </a:extLst>
           </p:cNvPr>
@@ -8845,7 +9170,7 @@
                   <a:srgbClr val="FFFFFF"/>
                 </a:solidFill>
               </a:rPr>
-              <a:t>Course Learning Outcomes</a:t>
+              <a:t>To Be Successful you need…</a:t>
             </a:r>
           </a:p>
         </p:txBody>
@@ -8855,7 +9180,7 @@
           <p:cNvPr id="3" name="Content Placeholder 2">
             <a:extLst>
               <a:ext uri="{FF2B5EF4-FFF2-40B4-BE49-F238E27FC236}">
-                <a16:creationId xmlns:a16="http://schemas.microsoft.com/office/drawing/2014/main" id="{FBC2CDE2-EAC3-D86D-779E-D8D74B4B756F}"/>
+                <a16:creationId xmlns:a16="http://schemas.microsoft.com/office/drawing/2014/main" id="{BB3C8F96-FE6A-3011-92DF-7C65CE28F189}"/>
               </a:ext>
             </a:extLst>
           </p:cNvPr>
@@ -8880,43 +9205,28 @@
           <a:p>
             <a:r>
               <a:rPr lang="en-US" sz="1700" dirty="0"/>
-              <a:t>CLO 1: Define what artificial intelligence (AI) is and explain how it is used.</a:t>
+              <a:t>Course assignments require substantial advanced Python programming.</a:t>
             </a:r>
           </a:p>
           <a:p>
             <a:r>
               <a:rPr lang="en-US" sz="1700" dirty="0"/>
-              <a:t>CLO 2: Identify ethical and security issues with artificial intelligence applications.</a:t>
+              <a:t>Students need practical knowledge of how to implement data structures and algorithms (Big-O notation, search trees).</a:t>
             </a:r>
           </a:p>
           <a:p>
             <a:r>
               <a:rPr lang="en-US" sz="1700" dirty="0"/>
-              <a:t>CLO 3: Define intelligent agents and explain how they interact with their environment.</a:t>
-            </a:r>
+              <a:t>Students must have a working knowledge of probability theory and combinatorics. </a:t>
+            </a:r>
+          </a:p>
+          <a:p>
+            <a:endParaRPr lang="en-US" sz="1700" dirty="0"/>
           </a:p>
           <a:p>
             <a:r>
               <a:rPr lang="en-US" sz="1700" dirty="0"/>
-              <a:t>CLO 4: Apply search to create agents that can perform simple tasks.</a:t>
-            </a:r>
-          </a:p>
-          <a:p>
-            <a:r>
-              <a:rPr lang="en-US" sz="1700" dirty="0"/>
-              <a:t>CLO 5: Explain how knowledge-based agents make decisions.</a:t>
-            </a:r>
-          </a:p>
-          <a:p>
-            <a:r>
-              <a:rPr lang="en-US" sz="1700" dirty="0"/>
-              <a:t>CLO 6: Explain how probabilistic reasoning is used by agents to make decisions under uncertainty.</a:t>
-            </a:r>
-          </a:p>
-          <a:p>
-            <a:r>
-              <a:rPr lang="en-US" sz="1700" dirty="0"/>
-              <a:t>CLO 7: Apply machine learning to different components of an intelligent agent.</a:t>
+              <a:t>Students are expected to obtain any missing knowledge independently. </a:t>
             </a:r>
           </a:p>
         </p:txBody>
@@ -8924,7 +9234,7 @@
     </p:spTree>
     <p:extLst>
       <p:ext uri="{BB962C8B-B14F-4D97-AF65-F5344CB8AC3E}">
-        <p14:creationId xmlns:p14="http://schemas.microsoft.com/office/powerpoint/2010/main" val="105614613"/>
+        <p14:creationId xmlns:p14="http://schemas.microsoft.com/office/powerpoint/2010/main" val="211582762"/>
       </p:ext>
     </p:extLst>
   </p:cSld>
